--- a/pixelator.pptx
+++ b/pixelator.pptx
@@ -7,6 +7,8 @@
   <p:sldIdLst>
     <p:sldId id="256" r:id="rId2"/>
     <p:sldId id="257" r:id="rId3"/>
+    <p:sldId id="258" r:id="rId4"/>
+    <p:sldId id="259" r:id="rId5"/>
   </p:sldIdLst>
   <p:sldSz cx="12192000" cy="6858000"/>
   <p:notesSz cx="6858000" cy="9144000"/>
@@ -105,6 +107,11 @@
       </a:defRPr>
     </a:lvl9pPr>
   </p:defaultTextStyle>
+  <p:extLst>
+    <p:ext uri="{EFAFB233-063F-42B5-8137-9DF3F51BA10A}">
+      <p15:sldGuideLst xmlns:p15="http://schemas.microsoft.com/office/powerpoint/2012/main"/>
+    </p:ext>
+  </p:extLst>
 </p:presentation>
 </file>
 
@@ -257,7 +264,7 @@
           <a:p>
             <a:fld id="{7A9A15FF-811A-48C0-B345-B36027E2D274}" type="datetimeFigureOut">
               <a:rPr lang="en-GB" smtClean="0"/>
-              <a:t>05/12/2024</a:t>
+              <a:t>12/12/2024</a:t>
             </a:fld>
             <a:endParaRPr lang="en-GB"/>
           </a:p>
@@ -457,7 +464,7 @@
           <a:p>
             <a:fld id="{7A9A15FF-811A-48C0-B345-B36027E2D274}" type="datetimeFigureOut">
               <a:rPr lang="en-GB" smtClean="0"/>
-              <a:t>05/12/2024</a:t>
+              <a:t>12/12/2024</a:t>
             </a:fld>
             <a:endParaRPr lang="en-GB"/>
           </a:p>
@@ -667,7 +674,7 @@
           <a:p>
             <a:fld id="{7A9A15FF-811A-48C0-B345-B36027E2D274}" type="datetimeFigureOut">
               <a:rPr lang="en-GB" smtClean="0"/>
-              <a:t>05/12/2024</a:t>
+              <a:t>12/12/2024</a:t>
             </a:fld>
             <a:endParaRPr lang="en-GB"/>
           </a:p>
@@ -867,7 +874,7 @@
           <a:p>
             <a:fld id="{7A9A15FF-811A-48C0-B345-B36027E2D274}" type="datetimeFigureOut">
               <a:rPr lang="en-GB" smtClean="0"/>
-              <a:t>05/12/2024</a:t>
+              <a:t>12/12/2024</a:t>
             </a:fld>
             <a:endParaRPr lang="en-GB"/>
           </a:p>
@@ -1143,7 +1150,7 @@
           <a:p>
             <a:fld id="{7A9A15FF-811A-48C0-B345-B36027E2D274}" type="datetimeFigureOut">
               <a:rPr lang="en-GB" smtClean="0"/>
-              <a:t>05/12/2024</a:t>
+              <a:t>12/12/2024</a:t>
             </a:fld>
             <a:endParaRPr lang="en-GB"/>
           </a:p>
@@ -1411,7 +1418,7 @@
           <a:p>
             <a:fld id="{7A9A15FF-811A-48C0-B345-B36027E2D274}" type="datetimeFigureOut">
               <a:rPr lang="en-GB" smtClean="0"/>
-              <a:t>05/12/2024</a:t>
+              <a:t>12/12/2024</a:t>
             </a:fld>
             <a:endParaRPr lang="en-GB"/>
           </a:p>
@@ -1826,7 +1833,7 @@
           <a:p>
             <a:fld id="{7A9A15FF-811A-48C0-B345-B36027E2D274}" type="datetimeFigureOut">
               <a:rPr lang="en-GB" smtClean="0"/>
-              <a:t>05/12/2024</a:t>
+              <a:t>12/12/2024</a:t>
             </a:fld>
             <a:endParaRPr lang="en-GB"/>
           </a:p>
@@ -1968,7 +1975,7 @@
           <a:p>
             <a:fld id="{7A9A15FF-811A-48C0-B345-B36027E2D274}" type="datetimeFigureOut">
               <a:rPr lang="en-GB" smtClean="0"/>
-              <a:t>05/12/2024</a:t>
+              <a:t>12/12/2024</a:t>
             </a:fld>
             <a:endParaRPr lang="en-GB"/>
           </a:p>
@@ -2081,7 +2088,7 @@
           <a:p>
             <a:fld id="{7A9A15FF-811A-48C0-B345-B36027E2D274}" type="datetimeFigureOut">
               <a:rPr lang="en-GB" smtClean="0"/>
-              <a:t>05/12/2024</a:t>
+              <a:t>12/12/2024</a:t>
             </a:fld>
             <a:endParaRPr lang="en-GB"/>
           </a:p>
@@ -2394,7 +2401,7 @@
           <a:p>
             <a:fld id="{7A9A15FF-811A-48C0-B345-B36027E2D274}" type="datetimeFigureOut">
               <a:rPr lang="en-GB" smtClean="0"/>
-              <a:t>05/12/2024</a:t>
+              <a:t>12/12/2024</a:t>
             </a:fld>
             <a:endParaRPr lang="en-GB"/>
           </a:p>
@@ -2683,7 +2690,7 @@
           <a:p>
             <a:fld id="{7A9A15FF-811A-48C0-B345-B36027E2D274}" type="datetimeFigureOut">
               <a:rPr lang="en-GB" smtClean="0"/>
-              <a:t>05/12/2024</a:t>
+              <a:t>12/12/2024</a:t>
             </a:fld>
             <a:endParaRPr lang="en-GB"/>
           </a:p>
@@ -2926,7 +2933,7 @@
           <a:p>
             <a:fld id="{7A9A15FF-811A-48C0-B345-B36027E2D274}" type="datetimeFigureOut">
               <a:rPr lang="en-GB" smtClean="0"/>
-              <a:t>05/12/2024</a:t>
+              <a:t>12/12/2024</a:t>
             </a:fld>
             <a:endParaRPr lang="en-GB"/>
           </a:p>
@@ -8885,6 +8892,455 @@
     <p:extLst>
       <p:ext uri="{BB962C8B-B14F-4D97-AF65-F5344CB8AC3E}">
         <p14:creationId xmlns:p14="http://schemas.microsoft.com/office/powerpoint/2010/main" val="3880800958"/>
+      </p:ext>
+    </p:extLst>
+  </p:cSld>
+  <p:clrMapOvr>
+    <a:masterClrMapping/>
+  </p:clrMapOvr>
+</p:sld>
+</file>
+
+<file path=ppt/slides/slide3.xml><?xml version="1.0" encoding="utf-8"?>
+<p:sld xmlns:a="http://schemas.openxmlformats.org/drawingml/2006/main" xmlns:r="http://schemas.openxmlformats.org/officeDocument/2006/relationships" xmlns:p="http://schemas.openxmlformats.org/presentationml/2006/main">
+  <p:cSld>
+    <p:spTree>
+      <p:nvGrpSpPr>
+        <p:cNvPr id="1" name=""/>
+        <p:cNvGrpSpPr/>
+        <p:nvPr/>
+      </p:nvGrpSpPr>
+      <p:grpSpPr>
+        <a:xfrm>
+          <a:off x="0" y="0"/>
+          <a:ext cx="0" cy="0"/>
+          <a:chOff x="0" y="0"/>
+          <a:chExt cx="0" cy="0"/>
+        </a:xfrm>
+      </p:grpSpPr>
+      <p:sp>
+        <p:nvSpPr>
+          <p:cNvPr id="2" name="Title 1">
+            <a:extLst>
+              <a:ext uri="{FF2B5EF4-FFF2-40B4-BE49-F238E27FC236}">
+                <a16:creationId xmlns:a16="http://schemas.microsoft.com/office/drawing/2014/main" id="{E344A0C4-CAA7-C0B2-1192-5C018C99332C}"/>
+              </a:ext>
+            </a:extLst>
+          </p:cNvPr>
+          <p:cNvSpPr>
+            <a:spLocks noGrp="1"/>
+          </p:cNvSpPr>
+          <p:nvPr>
+            <p:ph type="ctrTitle"/>
+          </p:nvPr>
+        </p:nvSpPr>
+        <p:spPr/>
+        <p:txBody>
+          <a:bodyPr/>
+          <a:lstStyle/>
+          <a:p>
+            <a:endParaRPr lang="en-GB"/>
+          </a:p>
+        </p:txBody>
+      </p:sp>
+      <p:sp>
+        <p:nvSpPr>
+          <p:cNvPr id="3" name="Subtitle 2">
+            <a:extLst>
+              <a:ext uri="{FF2B5EF4-FFF2-40B4-BE49-F238E27FC236}">
+                <a16:creationId xmlns:a16="http://schemas.microsoft.com/office/drawing/2014/main" id="{0424E13E-8201-81FF-014F-FABAEF157171}"/>
+              </a:ext>
+            </a:extLst>
+          </p:cNvPr>
+          <p:cNvSpPr>
+            <a:spLocks noGrp="1"/>
+          </p:cNvSpPr>
+          <p:nvPr>
+            <p:ph type="subTitle" idx="1"/>
+          </p:nvPr>
+        </p:nvSpPr>
+        <p:spPr/>
+        <p:txBody>
+          <a:bodyPr/>
+          <a:lstStyle/>
+          <a:p>
+            <a:endParaRPr lang="en-GB"/>
+          </a:p>
+        </p:txBody>
+      </p:sp>
+      <p:pic>
+        <p:nvPicPr>
+          <p:cNvPr id="5" name="Picture 4">
+            <a:extLst>
+              <a:ext uri="{FF2B5EF4-FFF2-40B4-BE49-F238E27FC236}">
+                <a16:creationId xmlns:a16="http://schemas.microsoft.com/office/drawing/2014/main" id="{B60A12D3-F046-B631-1095-F78B4A7917B8}"/>
+              </a:ext>
+            </a:extLst>
+          </p:cNvPr>
+          <p:cNvPicPr>
+            <a:picLocks noChangeAspect="1"/>
+          </p:cNvPicPr>
+          <p:nvPr/>
+        </p:nvPicPr>
+        <p:blipFill>
+          <a:blip r:embed="rId2"/>
+          <a:stretch>
+            <a:fillRect/>
+          </a:stretch>
+        </p:blipFill>
+        <p:spPr>
+          <a:xfrm>
+            <a:off x="311498" y="344156"/>
+            <a:ext cx="9417748" cy="5184974"/>
+          </a:xfrm>
+          <a:prstGeom prst="rect">
+            <a:avLst/>
+          </a:prstGeom>
+        </p:spPr>
+      </p:pic>
+      <p:sp>
+        <p:nvSpPr>
+          <p:cNvPr id="6" name="Rectangle 5">
+            <a:extLst>
+              <a:ext uri="{FF2B5EF4-FFF2-40B4-BE49-F238E27FC236}">
+                <a16:creationId xmlns:a16="http://schemas.microsoft.com/office/drawing/2014/main" id="{E7C3E3B9-DFDA-50B5-2379-407DCC0C8778}"/>
+              </a:ext>
+            </a:extLst>
+          </p:cNvPr>
+          <p:cNvSpPr/>
+          <p:nvPr/>
+        </p:nvSpPr>
+        <p:spPr>
+          <a:xfrm>
+            <a:off x="7003915" y="1050587"/>
+            <a:ext cx="2632454" cy="4305184"/>
+          </a:xfrm>
+          <a:prstGeom prst="rect">
+            <a:avLst/>
+          </a:prstGeom>
+        </p:spPr>
+        <p:style>
+          <a:lnRef idx="2">
+            <a:schemeClr val="accent1">
+              <a:shade val="15000"/>
+            </a:schemeClr>
+          </a:lnRef>
+          <a:fillRef idx="1">
+            <a:schemeClr val="accent1"/>
+          </a:fillRef>
+          <a:effectRef idx="0">
+            <a:schemeClr val="accent1"/>
+          </a:effectRef>
+          <a:fontRef idx="minor">
+            <a:schemeClr val="lt1"/>
+          </a:fontRef>
+        </p:style>
+        <p:txBody>
+          <a:bodyPr rtlCol="0" anchor="ctr"/>
+          <a:lstStyle/>
+          <a:p>
+            <a:pPr algn="ctr"/>
+            <a:endParaRPr lang="en-GB"/>
+          </a:p>
+        </p:txBody>
+      </p:sp>
+      <p:pic>
+        <p:nvPicPr>
+          <p:cNvPr id="8" name="Picture 7">
+            <a:extLst>
+              <a:ext uri="{FF2B5EF4-FFF2-40B4-BE49-F238E27FC236}">
+                <a16:creationId xmlns:a16="http://schemas.microsoft.com/office/drawing/2014/main" id="{9441ECBA-879F-A4DE-8018-75ECC72D05BE}"/>
+              </a:ext>
+            </a:extLst>
+          </p:cNvPr>
+          <p:cNvPicPr>
+            <a:picLocks noChangeAspect="1"/>
+          </p:cNvPicPr>
+          <p:nvPr/>
+        </p:nvPicPr>
+        <p:blipFill>
+          <a:blip r:embed="rId3"/>
+          <a:stretch>
+            <a:fillRect/>
+          </a:stretch>
+        </p:blipFill>
+        <p:spPr>
+          <a:xfrm>
+            <a:off x="7324779" y="1502229"/>
+            <a:ext cx="1990725" cy="2257425"/>
+          </a:xfrm>
+          <a:prstGeom prst="rect">
+            <a:avLst/>
+          </a:prstGeom>
+        </p:spPr>
+      </p:pic>
+      <p:pic>
+        <p:nvPicPr>
+          <p:cNvPr id="10" name="Picture 9">
+            <a:extLst>
+              <a:ext uri="{FF2B5EF4-FFF2-40B4-BE49-F238E27FC236}">
+                <a16:creationId xmlns:a16="http://schemas.microsoft.com/office/drawing/2014/main" id="{D5087D1E-B607-D9FE-68BD-416876B32498}"/>
+              </a:ext>
+            </a:extLst>
+          </p:cNvPr>
+          <p:cNvPicPr>
+            <a:picLocks noChangeAspect="1"/>
+          </p:cNvPicPr>
+          <p:nvPr/>
+        </p:nvPicPr>
+        <p:blipFill>
+          <a:blip r:embed="rId4"/>
+          <a:stretch>
+            <a:fillRect/>
+          </a:stretch>
+        </p:blipFill>
+        <p:spPr>
+          <a:xfrm>
+            <a:off x="435718" y="5421180"/>
+            <a:ext cx="1943100" cy="400050"/>
+          </a:xfrm>
+          <a:prstGeom prst="rect">
+            <a:avLst/>
+          </a:prstGeom>
+        </p:spPr>
+      </p:pic>
+    </p:spTree>
+    <p:extLst>
+      <p:ext uri="{BB962C8B-B14F-4D97-AF65-F5344CB8AC3E}">
+        <p14:creationId xmlns:p14="http://schemas.microsoft.com/office/powerpoint/2010/main" val="4260653778"/>
+      </p:ext>
+    </p:extLst>
+  </p:cSld>
+  <p:clrMapOvr>
+    <a:masterClrMapping/>
+  </p:clrMapOvr>
+</p:sld>
+</file>
+
+<file path=ppt/slides/slide4.xml><?xml version="1.0" encoding="utf-8"?>
+<p:sld xmlns:a="http://schemas.openxmlformats.org/drawingml/2006/main" xmlns:r="http://schemas.openxmlformats.org/officeDocument/2006/relationships" xmlns:p="http://schemas.openxmlformats.org/presentationml/2006/main">
+  <p:cSld>
+    <p:spTree>
+      <p:nvGrpSpPr>
+        <p:cNvPr id="1" name=""/>
+        <p:cNvGrpSpPr/>
+        <p:nvPr/>
+      </p:nvGrpSpPr>
+      <p:grpSpPr>
+        <a:xfrm>
+          <a:off x="0" y="0"/>
+          <a:ext cx="0" cy="0"/>
+          <a:chOff x="0" y="0"/>
+          <a:chExt cx="0" cy="0"/>
+        </a:xfrm>
+      </p:grpSpPr>
+      <p:pic>
+        <p:nvPicPr>
+          <p:cNvPr id="5" name="Picture 4">
+            <a:extLst>
+              <a:ext uri="{FF2B5EF4-FFF2-40B4-BE49-F238E27FC236}">
+                <a16:creationId xmlns:a16="http://schemas.microsoft.com/office/drawing/2014/main" id="{D923CEB7-6CE2-8440-8925-903C5B8AE438}"/>
+              </a:ext>
+            </a:extLst>
+          </p:cNvPr>
+          <p:cNvPicPr>
+            <a:picLocks noChangeAspect="1"/>
+          </p:cNvPicPr>
+          <p:nvPr/>
+        </p:nvPicPr>
+        <p:blipFill>
+          <a:blip r:embed="rId2"/>
+          <a:stretch>
+            <a:fillRect/>
+          </a:stretch>
+        </p:blipFill>
+        <p:spPr>
+          <a:xfrm>
+            <a:off x="0" y="1646524"/>
+            <a:ext cx="12192000" cy="3564952"/>
+          </a:xfrm>
+          <a:prstGeom prst="rect">
+            <a:avLst/>
+          </a:prstGeom>
+        </p:spPr>
+      </p:pic>
+      <p:sp>
+        <p:nvSpPr>
+          <p:cNvPr id="6" name="Rectangle: Rounded Corners 5">
+            <a:extLst>
+              <a:ext uri="{FF2B5EF4-FFF2-40B4-BE49-F238E27FC236}">
+                <a16:creationId xmlns:a16="http://schemas.microsoft.com/office/drawing/2014/main" id="{A03C7767-CA9D-2285-9164-C6245938C879}"/>
+              </a:ext>
+            </a:extLst>
+          </p:cNvPr>
+          <p:cNvSpPr/>
+          <p:nvPr/>
+        </p:nvSpPr>
+        <p:spPr>
+          <a:xfrm>
+            <a:off x="9572017" y="2522136"/>
+            <a:ext cx="2204651" cy="341644"/>
+          </a:xfrm>
+          <a:prstGeom prst="roundRect">
+            <a:avLst/>
+          </a:prstGeom>
+          <a:solidFill>
+            <a:srgbClr val="4B886A"/>
+          </a:solidFill>
+        </p:spPr>
+        <p:style>
+          <a:lnRef idx="2">
+            <a:schemeClr val="accent1">
+              <a:shade val="15000"/>
+            </a:schemeClr>
+          </a:lnRef>
+          <a:fillRef idx="1">
+            <a:schemeClr val="accent1"/>
+          </a:fillRef>
+          <a:effectRef idx="0">
+            <a:schemeClr val="accent1"/>
+          </a:effectRef>
+          <a:fontRef idx="minor">
+            <a:schemeClr val="lt1"/>
+          </a:fontRef>
+        </p:style>
+        <p:txBody>
+          <a:bodyPr rtlCol="0" anchor="ctr"/>
+          <a:lstStyle/>
+          <a:p>
+            <a:pPr algn="r"/>
+            <a:r>
+              <a:rPr lang="en-US" dirty="0"/>
+              <a:t>300%</a:t>
+            </a:r>
+            <a:endParaRPr lang="en-GB" dirty="0"/>
+          </a:p>
+        </p:txBody>
+      </p:sp>
+      <p:sp>
+        <p:nvSpPr>
+          <p:cNvPr id="7" name="Rectangle 6">
+            <a:extLst>
+              <a:ext uri="{FF2B5EF4-FFF2-40B4-BE49-F238E27FC236}">
+                <a16:creationId xmlns:a16="http://schemas.microsoft.com/office/drawing/2014/main" id="{5280E178-CBA9-D96E-E75F-2A98981BAD75}"/>
+              </a:ext>
+            </a:extLst>
+          </p:cNvPr>
+          <p:cNvSpPr/>
+          <p:nvPr/>
+        </p:nvSpPr>
+        <p:spPr>
+          <a:xfrm>
+            <a:off x="9951396" y="2863780"/>
+            <a:ext cx="1663430" cy="1503939"/>
+          </a:xfrm>
+          <a:prstGeom prst="rect">
+            <a:avLst/>
+          </a:prstGeom>
+          <a:solidFill>
+            <a:srgbClr val="4B886A">
+              <a:alpha val="84000"/>
+            </a:srgbClr>
+          </a:solidFill>
+        </p:spPr>
+        <p:style>
+          <a:lnRef idx="2">
+            <a:schemeClr val="accent1">
+              <a:shade val="15000"/>
+            </a:schemeClr>
+          </a:lnRef>
+          <a:fillRef idx="1">
+            <a:schemeClr val="accent1"/>
+          </a:fillRef>
+          <a:effectRef idx="0">
+            <a:schemeClr val="accent1"/>
+          </a:effectRef>
+          <a:fontRef idx="minor">
+            <a:schemeClr val="lt1"/>
+          </a:fontRef>
+        </p:style>
+        <p:txBody>
+          <a:bodyPr rtlCol="0" anchor="t" anchorCtr="0"/>
+          <a:lstStyle/>
+          <a:p>
+            <a:pPr algn="r"/>
+            <a:r>
+              <a:rPr lang="en-US" dirty="0"/>
+              <a:t>100%</a:t>
+            </a:r>
+          </a:p>
+          <a:p>
+            <a:pPr algn="r"/>
+            <a:r>
+              <a:rPr lang="en-US" dirty="0"/>
+              <a:t>250%</a:t>
+            </a:r>
+          </a:p>
+          <a:p>
+            <a:pPr algn="r"/>
+            <a:r>
+              <a:rPr lang="en-GB" dirty="0"/>
+              <a:t>350%</a:t>
+            </a:r>
+            <a:endParaRPr lang="en-US" dirty="0"/>
+          </a:p>
+        </p:txBody>
+      </p:sp>
+      <p:sp>
+        <p:nvSpPr>
+          <p:cNvPr id="8" name="TextBox 7">
+            <a:extLst>
+              <a:ext uri="{FF2B5EF4-FFF2-40B4-BE49-F238E27FC236}">
+                <a16:creationId xmlns:a16="http://schemas.microsoft.com/office/drawing/2014/main" id="{49F0B175-B1FB-F629-C830-916C6C99810D}"/>
+              </a:ext>
+            </a:extLst>
+          </p:cNvPr>
+          <p:cNvSpPr txBox="1"/>
+          <p:nvPr/>
+        </p:nvSpPr>
+        <p:spPr>
+          <a:xfrm>
+            <a:off x="8249055" y="2451370"/>
+            <a:ext cx="1196502" cy="369332"/>
+          </a:xfrm>
+          <a:prstGeom prst="rect">
+            <a:avLst/>
+          </a:prstGeom>
+          <a:noFill/>
+        </p:spPr>
+        <p:txBody>
+          <a:bodyPr wrap="square" rtlCol="0">
+            <a:spAutoFit/>
+          </a:bodyPr>
+          <a:lstStyle/>
+          <a:p>
+            <a:pPr algn="r"/>
+            <a:r>
+              <a:rPr lang="en-US" b="1" dirty="0">
+                <a:solidFill>
+                  <a:schemeClr val="tx1">
+                    <a:lumMod val="65000"/>
+                    <a:lumOff val="35000"/>
+                  </a:schemeClr>
+                </a:solidFill>
+              </a:rPr>
+              <a:t>Zoom</a:t>
+            </a:r>
+            <a:endParaRPr lang="en-GB" b="1" dirty="0">
+              <a:solidFill>
+                <a:schemeClr val="tx1">
+                  <a:lumMod val="65000"/>
+                  <a:lumOff val="35000"/>
+                </a:schemeClr>
+              </a:solidFill>
+            </a:endParaRPr>
+          </a:p>
+        </p:txBody>
+      </p:sp>
+    </p:spTree>
+    <p:extLst>
+      <p:ext uri="{BB962C8B-B14F-4D97-AF65-F5344CB8AC3E}">
+        <p14:creationId xmlns:p14="http://schemas.microsoft.com/office/powerpoint/2010/main" val="557773316"/>
       </p:ext>
     </p:extLst>
   </p:cSld>
